--- a/PPT/PART 20.pptx
+++ b/PPT/PART 20.pptx
@@ -257,7 +257,7 @@
           <a:p>
             <a:fld id="{48A87A34-81AB-432B-8DAE-1953F412C126}" type="datetimeFigureOut">
               <a:rPr lang="en-US" dirty="0"/>
-              <a:t>4/6/2021</a:t>
+              <a:t>4/10/2021</a:t>
             </a:fld>
             <a:endParaRPr lang="en-US" dirty="0"/>
           </a:p>
@@ -463,7 +463,7 @@
           <a:p>
             <a:fld id="{48A87A34-81AB-432B-8DAE-1953F412C126}" type="datetimeFigureOut">
               <a:rPr lang="en-US" dirty="0"/>
-              <a:t>4/6/2021</a:t>
+              <a:t>4/10/2021</a:t>
             </a:fld>
             <a:endParaRPr lang="en-US" dirty="0"/>
           </a:p>
@@ -673,7 +673,7 @@
           <a:p>
             <a:fld id="{48A87A34-81AB-432B-8DAE-1953F412C126}" type="datetimeFigureOut">
               <a:rPr lang="en-US" dirty="0"/>
-              <a:t>4/6/2021</a:t>
+              <a:t>4/10/2021</a:t>
             </a:fld>
             <a:endParaRPr lang="en-US" dirty="0"/>
           </a:p>
@@ -869,7 +869,7 @@
           <a:p>
             <a:fld id="{48A87A34-81AB-432B-8DAE-1953F412C126}" type="datetimeFigureOut">
               <a:rPr lang="en-US" dirty="0"/>
-              <a:t>4/6/2021</a:t>
+              <a:t>4/10/2021</a:t>
             </a:fld>
             <a:endParaRPr lang="en-US" dirty="0"/>
           </a:p>
@@ -1143,7 +1143,7 @@
           <a:p>
             <a:fld id="{48A87A34-81AB-432B-8DAE-1953F412C126}" type="datetimeFigureOut">
               <a:rPr lang="en-US" dirty="0"/>
-              <a:t>4/6/2021</a:t>
+              <a:t>4/10/2021</a:t>
             </a:fld>
             <a:endParaRPr lang="en-US" dirty="0"/>
           </a:p>
@@ -1406,7 +1406,7 @@
           <a:p>
             <a:fld id="{48A87A34-81AB-432B-8DAE-1953F412C126}" type="datetimeFigureOut">
               <a:rPr lang="en-US" dirty="0"/>
-              <a:t>4/6/2021</a:t>
+              <a:t>4/10/2021</a:t>
             </a:fld>
             <a:endParaRPr lang="en-US" dirty="0"/>
           </a:p>
@@ -1817,7 +1817,7 @@
           <a:p>
             <a:fld id="{48A87A34-81AB-432B-8DAE-1953F412C126}" type="datetimeFigureOut">
               <a:rPr lang="en-US" dirty="0"/>
-              <a:t>4/6/2021</a:t>
+              <a:t>4/10/2021</a:t>
             </a:fld>
             <a:endParaRPr lang="en-US" dirty="0"/>
           </a:p>
@@ -1961,7 +1961,7 @@
           <a:p>
             <a:fld id="{48A87A34-81AB-432B-8DAE-1953F412C126}" type="datetimeFigureOut">
               <a:rPr lang="en-US" dirty="0"/>
-              <a:t>4/6/2021</a:t>
+              <a:t>4/10/2021</a:t>
             </a:fld>
             <a:endParaRPr lang="en-US" dirty="0"/>
           </a:p>
@@ -2082,7 +2082,7 @@
           <a:p>
             <a:fld id="{48A87A34-81AB-432B-8DAE-1953F412C126}" type="datetimeFigureOut">
               <a:rPr lang="en-US" dirty="0"/>
-              <a:t>4/6/2021</a:t>
+              <a:t>4/10/2021</a:t>
             </a:fld>
             <a:endParaRPr lang="en-US" dirty="0"/>
           </a:p>
@@ -2328,7 +2328,7 @@
           <a:p>
             <a:fld id="{48A87A34-81AB-432B-8DAE-1953F412C126}" type="datetimeFigureOut">
               <a:rPr lang="en-US" dirty="0"/>
-              <a:t>4/6/2021</a:t>
+              <a:t>4/10/2021</a:t>
             </a:fld>
             <a:endParaRPr lang="en-US" dirty="0"/>
           </a:p>
@@ -2769,7 +2769,7 @@
             <a:fld id="{48A87A34-81AB-432B-8DAE-1953F412C126}" type="datetimeFigureOut">
               <a:rPr lang="en-US" dirty="0"/>
               <a:pPr/>
-              <a:t>4/6/2021</a:t>
+              <a:t>4/10/2021</a:t>
             </a:fld>
             <a:endParaRPr lang="en-US" dirty="0"/>
           </a:p>
@@ -3092,7 +3092,7 @@
             <a:fld id="{48A87A34-81AB-432B-8DAE-1953F412C126}" type="datetimeFigureOut">
               <a:rPr lang="en-US" dirty="0"/>
               <a:pPr/>
-              <a:t>4/6/2021</a:t>
+              <a:t>4/10/2021</a:t>
             </a:fld>
             <a:endParaRPr lang="en-US" dirty="0"/>
           </a:p>

--- a/PPT/PART 20.pptx
+++ b/PPT/PART 20.pptx
@@ -257,7 +257,7 @@
           <a:p>
             <a:fld id="{48A87A34-81AB-432B-8DAE-1953F412C126}" type="datetimeFigureOut">
               <a:rPr lang="en-US" dirty="0"/>
-              <a:t>4/10/2021</a:t>
+              <a:t>4/11/2021</a:t>
             </a:fld>
             <a:endParaRPr lang="en-US" dirty="0"/>
           </a:p>
@@ -463,7 +463,7 @@
           <a:p>
             <a:fld id="{48A87A34-81AB-432B-8DAE-1953F412C126}" type="datetimeFigureOut">
               <a:rPr lang="en-US" dirty="0"/>
-              <a:t>4/10/2021</a:t>
+              <a:t>4/11/2021</a:t>
             </a:fld>
             <a:endParaRPr lang="en-US" dirty="0"/>
           </a:p>
@@ -673,7 +673,7 @@
           <a:p>
             <a:fld id="{48A87A34-81AB-432B-8DAE-1953F412C126}" type="datetimeFigureOut">
               <a:rPr lang="en-US" dirty="0"/>
-              <a:t>4/10/2021</a:t>
+              <a:t>4/11/2021</a:t>
             </a:fld>
             <a:endParaRPr lang="en-US" dirty="0"/>
           </a:p>
@@ -869,7 +869,7 @@
           <a:p>
             <a:fld id="{48A87A34-81AB-432B-8DAE-1953F412C126}" type="datetimeFigureOut">
               <a:rPr lang="en-US" dirty="0"/>
-              <a:t>4/10/2021</a:t>
+              <a:t>4/11/2021</a:t>
             </a:fld>
             <a:endParaRPr lang="en-US" dirty="0"/>
           </a:p>
@@ -1143,7 +1143,7 @@
           <a:p>
             <a:fld id="{48A87A34-81AB-432B-8DAE-1953F412C126}" type="datetimeFigureOut">
               <a:rPr lang="en-US" dirty="0"/>
-              <a:t>4/10/2021</a:t>
+              <a:t>4/11/2021</a:t>
             </a:fld>
             <a:endParaRPr lang="en-US" dirty="0"/>
           </a:p>
@@ -1406,7 +1406,7 @@
           <a:p>
             <a:fld id="{48A87A34-81AB-432B-8DAE-1953F412C126}" type="datetimeFigureOut">
               <a:rPr lang="en-US" dirty="0"/>
-              <a:t>4/10/2021</a:t>
+              <a:t>4/11/2021</a:t>
             </a:fld>
             <a:endParaRPr lang="en-US" dirty="0"/>
           </a:p>
@@ -1817,7 +1817,7 @@
           <a:p>
             <a:fld id="{48A87A34-81AB-432B-8DAE-1953F412C126}" type="datetimeFigureOut">
               <a:rPr lang="en-US" dirty="0"/>
-              <a:t>4/10/2021</a:t>
+              <a:t>4/11/2021</a:t>
             </a:fld>
             <a:endParaRPr lang="en-US" dirty="0"/>
           </a:p>
@@ -1961,7 +1961,7 @@
           <a:p>
             <a:fld id="{48A87A34-81AB-432B-8DAE-1953F412C126}" type="datetimeFigureOut">
               <a:rPr lang="en-US" dirty="0"/>
-              <a:t>4/10/2021</a:t>
+              <a:t>4/11/2021</a:t>
             </a:fld>
             <a:endParaRPr lang="en-US" dirty="0"/>
           </a:p>
@@ -2082,7 +2082,7 @@
           <a:p>
             <a:fld id="{48A87A34-81AB-432B-8DAE-1953F412C126}" type="datetimeFigureOut">
               <a:rPr lang="en-US" dirty="0"/>
-              <a:t>4/10/2021</a:t>
+              <a:t>4/11/2021</a:t>
             </a:fld>
             <a:endParaRPr lang="en-US" dirty="0"/>
           </a:p>
@@ -2328,7 +2328,7 @@
           <a:p>
             <a:fld id="{48A87A34-81AB-432B-8DAE-1953F412C126}" type="datetimeFigureOut">
               <a:rPr lang="en-US" dirty="0"/>
-              <a:t>4/10/2021</a:t>
+              <a:t>4/11/2021</a:t>
             </a:fld>
             <a:endParaRPr lang="en-US" dirty="0"/>
           </a:p>
@@ -2769,7 +2769,7 @@
             <a:fld id="{48A87A34-81AB-432B-8DAE-1953F412C126}" type="datetimeFigureOut">
               <a:rPr lang="en-US" dirty="0"/>
               <a:pPr/>
-              <a:t>4/10/2021</a:t>
+              <a:t>4/11/2021</a:t>
             </a:fld>
             <a:endParaRPr lang="en-US" dirty="0"/>
           </a:p>
@@ -3092,7 +3092,7 @@
             <a:fld id="{48A87A34-81AB-432B-8DAE-1953F412C126}" type="datetimeFigureOut">
               <a:rPr lang="en-US" dirty="0"/>
               <a:pPr/>
-              <a:t>4/10/2021</a:t>
+              <a:t>4/11/2021</a:t>
             </a:fld>
             <a:endParaRPr lang="en-US" dirty="0"/>
           </a:p>
